--- a/encapsulation.pptx
+++ b/encapsulation.pptx
@@ -3483,7 +3483,6 @@
             <a:endParaRPr lang="en-US" altLang="en-GB"/>
           </a:p>
           <a:p>
-            <a:pPr/>
             <a:r>
               <a:rPr lang="en-US" altLang="en-GB"/>
               <a:t>What is inheritance.</a:t>
@@ -3491,7 +3490,6 @@
             <a:endParaRPr lang="en-US" altLang="en-GB"/>
           </a:p>
           <a:p>
-            <a:pPr/>
             <a:r>
               <a:rPr lang="en-US" altLang="en-GB"/>
               <a:t>Types of inheritance</a:t>
@@ -3499,7 +3497,6 @@
             <a:endParaRPr lang="en-US" altLang="en-GB"/>
           </a:p>
           <a:p>
-            <a:pPr/>
             <a:r>
               <a:rPr lang="en-US" altLang="en-GB"/>
               <a:t>Advantages of inheritance</a:t>
@@ -4734,14 +4731,46 @@
           <a:p>
             <a:r>
               <a:rPr lang="en-GB" altLang="en-US" sz="2000"/>
-              <a:t>Extensibility: You can extend the functionalityof a class by creating a new class (child class)that inherits from it and adds or overridesmethods. This makes it easier to make changesand additions to your code.</a:t>
+              <a:t>Extensibility: You can extend the functionalityof a class by creating a new class (child class)that inherits from it and adds or overridesmethods. This makes it easier to make changes</a:t>
+            </a:r>
+            <a:r>
+              <a:rPr lang="en-US" altLang="en-GB" sz="2000"/>
+              <a:t> </a:t>
+            </a:r>
+            <a:r>
+              <a:rPr lang="en-GB" altLang="en-US" sz="2000"/>
+              <a:t>and additions to your code.</a:t>
             </a:r>
             <a:endParaRPr lang="en-GB" altLang="en-US" sz="2000"/>
           </a:p>
           <a:p>
             <a:r>
               <a:rPr lang="en-GB" altLang="en-US" sz="2000"/>
-              <a:t>Polymorphism: Inheritance is essential forachieving polymorphism, which allows objects ofdifferent classes to be treated as objects of acommon parent class. This simplifies code andmakes it more flexible.</a:t>
+              <a:t>Polymorphism: Inheritance is essential forachieving polymorphism, which allows objects of</a:t>
+            </a:r>
+            <a:r>
+              <a:rPr lang="en-US" altLang="en-GB" sz="2000"/>
+              <a:t> </a:t>
+            </a:r>
+            <a:r>
+              <a:rPr lang="en-GB" altLang="en-US" sz="2000"/>
+              <a:t>different classes to be treated as objects of a</a:t>
+            </a:r>
+            <a:r>
+              <a:rPr lang="en-US" altLang="en-GB" sz="2000"/>
+              <a:t> </a:t>
+            </a:r>
+            <a:r>
+              <a:rPr lang="en-GB" altLang="en-US" sz="2000"/>
+              <a:t>common parent class. This simplifies code and</a:t>
+            </a:r>
+            <a:r>
+              <a:rPr lang="en-US" altLang="en-GB" sz="2000"/>
+              <a:t> </a:t>
+            </a:r>
+            <a:r>
+              <a:rPr lang="en-GB" altLang="en-US" sz="2000"/>
+              <a:t>makes it more flexible.</a:t>
             </a:r>
             <a:endParaRPr lang="en-GB" altLang="en-US" sz="2000"/>
           </a:p>

--- a/encapsulation.pptx
+++ b/encapsulation.pptx
@@ -4527,14 +4527,22 @@
           <a:p>
             <a:r>
               <a:rPr lang="en-GB" altLang="en-US"/>
-              <a:t>Inheritance is a feature or a process in which, new classes arecreated from the existing classes.</a:t>
+              <a:t>Inheritance is a feature or a process in which, new classes are</a:t>
+            </a:r>
+            <a:r>
+              <a:rPr lang="en-US" altLang="en-GB"/>
+              <a:t> </a:t>
+            </a:r>
+            <a:r>
+              <a:rPr lang="en-GB" altLang="en-US"/>
+              <a:t>created from the existing classes.</a:t>
             </a:r>
             <a:endParaRPr lang="en-GB" altLang="en-US"/>
           </a:p>
           <a:p>
             <a:r>
               <a:rPr lang="en-GB" altLang="en-US"/>
-              <a:t>The new class created is called“derived class” or“child class”.The existing class is known as the“base class”or“parent class”.</a:t>
+              <a:t>The new class created is called“derived class” or“child class”.The existing class is known as the“base class”or“parent class”.</a:t>
             </a:r>
             <a:endParaRPr lang="en-GB" altLang="en-US"/>
           </a:p>
@@ -4555,7 +4563,23 @@
           <a:p>
             <a:r>
               <a:rPr lang="en-GB" altLang="en-US"/>
-              <a:t>Usingthe extends keyword indicates you are derived from an existingclass.</a:t>
+              <a:t>Using</a:t>
+            </a:r>
+            <a:r>
+              <a:rPr lang="en-US" altLang="en-GB"/>
+              <a:t> </a:t>
+            </a:r>
+            <a:r>
+              <a:rPr lang="en-GB" altLang="en-US"/>
+              <a:t>the extends keyword indicates you are derived from an existing</a:t>
+            </a:r>
+            <a:r>
+              <a:rPr lang="en-US" altLang="en-GB"/>
+              <a:t> </a:t>
+            </a:r>
+            <a:r>
+              <a:rPr lang="en-GB" altLang="en-US"/>
+              <a:t>class.</a:t>
             </a:r>
             <a:endParaRPr lang="en-GB" altLang="en-US"/>
           </a:p>
@@ -4717,21 +4741,7 @@
           <a:p>
             <a:r>
               <a:rPr lang="en-GB" altLang="en-US" sz="2000"/>
-              <a:t>Code Reusability: Inheritance lets you reusecode from an existing class, which means youdon't have to write the same code again. This saves time and effort.</a:t>
-            </a:r>
-            <a:endParaRPr lang="en-GB" altLang="en-US" sz="2000"/>
-          </a:p>
-          <a:p>
-            <a:r>
-              <a:rPr lang="en-GB" altLang="en-US" sz="2000"/>
-              <a:t>Organization: It helps in organizing classes in ahierarchy. You can have a base (parent) classwith common attributes and methods, and thencreate specialized (child) classes that inherit fromthe base class and add their unique features.</a:t>
-            </a:r>
-            <a:endParaRPr lang="en-GB" altLang="en-US" sz="2000"/>
-          </a:p>
-          <a:p>
-            <a:r>
-              <a:rPr lang="en-GB" altLang="en-US" sz="2000"/>
-              <a:t>Extensibility: You can extend the functionalityof a class by creating a new class (child class)that inherits from it and adds or overridesmethods. This makes it easier to make changes</a:t>
+              <a:t>Code Reusability: Inheritance lets you reusecode from an existing class, which means you</a:t>
             </a:r>
             <a:r>
               <a:rPr lang="en-US" altLang="en-GB" sz="2000"/>
@@ -4739,14 +4749,14 @@
             </a:r>
             <a:r>
               <a:rPr lang="en-GB" altLang="en-US" sz="2000"/>
-              <a:t>and additions to your code.</a:t>
+              <a:t>don't have to write the same code again. This saves time and effort.</a:t>
             </a:r>
             <a:endParaRPr lang="en-GB" altLang="en-US" sz="2000"/>
           </a:p>
           <a:p>
             <a:r>
               <a:rPr lang="en-GB" altLang="en-US" sz="2000"/>
-              <a:t>Polymorphism: Inheritance is essential forachieving polymorphism, which allows objects of</a:t>
+              <a:t>Organization: It helps in organizing classes in a</a:t>
             </a:r>
             <a:r>
               <a:rPr lang="en-US" altLang="en-GB" sz="2000"/>
@@ -4754,7 +4764,7 @@
             </a:r>
             <a:r>
               <a:rPr lang="en-GB" altLang="en-US" sz="2000"/>
-              <a:t>different classes to be treated as objects of a</a:t>
+              <a:t>hierarchy. You can have a base (parent) class</a:t>
             </a:r>
             <a:r>
               <a:rPr lang="en-US" altLang="en-GB" sz="2000"/>
@@ -4762,7 +4772,7 @@
             </a:r>
             <a:r>
               <a:rPr lang="en-GB" altLang="en-US" sz="2000"/>
-              <a:t>common parent class. This simplifies code and</a:t>
+              <a:t>with common attributes and methods, and then</a:t>
             </a:r>
             <a:r>
               <a:rPr lang="en-US" altLang="en-GB" sz="2000"/>
@@ -4770,6 +4780,84 @@
             </a:r>
             <a:r>
               <a:rPr lang="en-GB" altLang="en-US" sz="2000"/>
+              <a:t>create specialized (child) classes that inherit from</a:t>
+            </a:r>
+            <a:r>
+              <a:rPr lang="en-US" altLang="en-GB" sz="2000"/>
+              <a:t> </a:t>
+            </a:r>
+            <a:r>
+              <a:rPr lang="en-GB" altLang="en-US" sz="2000"/>
+              <a:t>the base class and add their unique features.</a:t>
+            </a:r>
+            <a:endParaRPr lang="en-GB" altLang="en-US" sz="2000"/>
+          </a:p>
+          <a:p>
+            <a:r>
+              <a:rPr lang="en-GB" altLang="en-US" sz="2000"/>
+              <a:t>Extensibility: You can extend the functionality</a:t>
+            </a:r>
+            <a:r>
+              <a:rPr lang="en-US" altLang="en-GB" sz="2000"/>
+              <a:t> </a:t>
+            </a:r>
+            <a:r>
+              <a:rPr lang="en-GB" altLang="en-US" sz="2000"/>
+              <a:t>of a class by creating a new class (child class)that inherits from it and adds or overrides</a:t>
+            </a:r>
+            <a:r>
+              <a:rPr lang="en-US" altLang="en-GB" sz="2000"/>
+              <a:t> </a:t>
+            </a:r>
+            <a:r>
+              <a:rPr lang="en-GB" altLang="en-US" sz="2000"/>
+              <a:t>methods. This makes it easier to make changes</a:t>
+            </a:r>
+            <a:r>
+              <a:rPr lang="en-US" altLang="en-GB" sz="2000"/>
+              <a:t> </a:t>
+            </a:r>
+            <a:r>
+              <a:rPr lang="en-GB" altLang="en-US" sz="2000"/>
+              <a:t>and additions to your code.</a:t>
+            </a:r>
+            <a:endParaRPr lang="en-GB" altLang="en-US" sz="2000"/>
+          </a:p>
+          <a:p>
+            <a:r>
+              <a:rPr lang="en-GB" altLang="en-US" sz="2000"/>
+              <a:t>Polymorphism: Inheritance is essential for</a:t>
+            </a:r>
+            <a:r>
+              <a:rPr lang="en-US" altLang="en-GB" sz="2000"/>
+              <a:t> </a:t>
+            </a:r>
+            <a:r>
+              <a:rPr lang="en-GB" altLang="en-US" sz="2000"/>
+              <a:t>achieving polymorphism, which allows objects of</a:t>
+            </a:r>
+            <a:r>
+              <a:rPr lang="en-US" altLang="en-GB" sz="2000"/>
+              <a:t> </a:t>
+            </a:r>
+            <a:r>
+              <a:rPr lang="en-GB" altLang="en-US" sz="2000"/>
+              <a:t>different classes to be treated as objects of a</a:t>
+            </a:r>
+            <a:r>
+              <a:rPr lang="en-US" altLang="en-GB" sz="2000"/>
+              <a:t> </a:t>
+            </a:r>
+            <a:r>
+              <a:rPr lang="en-GB" altLang="en-US" sz="2000"/>
+              <a:t>common parent class. This simplifies code and</a:t>
+            </a:r>
+            <a:r>
+              <a:rPr lang="en-US" altLang="en-GB" sz="2000"/>
+              <a:t> </a:t>
+            </a:r>
+            <a:r>
+              <a:rPr lang="en-GB" altLang="en-US" sz="2000"/>
               <a:t>makes it more flexible.</a:t>
             </a:r>
             <a:endParaRPr lang="en-GB" altLang="en-US" sz="2000"/>
@@ -4777,9 +4865,45 @@
           <a:p>
             <a:r>
               <a:rPr lang="en-GB" altLang="en-US" sz="2000"/>
-              <a:t>Maintenance: When you need to make changes to acommon feature shared by multiple classes, you canmake the change in the parent class, and it willautomatically reflect in all the child classes. Thisreduces the chances of errors and makesmaintenance easier</a:t>
-            </a:r>
-            <a:endParaRPr lang="en-GB" altLang="en-US" sz="2000"/>
+              <a:t>Maintenance: When you need to make changes to acommon feature shared by multiple classes, you can</a:t>
+            </a:r>
+            <a:r>
+              <a:rPr lang="en-US" altLang="en-GB" sz="2000"/>
+              <a:t> </a:t>
+            </a:r>
+            <a:r>
+              <a:rPr lang="en-GB" altLang="en-US" sz="2000"/>
+              <a:t>make the change in the parent class, and it will</a:t>
+            </a:r>
+            <a:r>
+              <a:rPr lang="en-US" altLang="en-GB" sz="2000"/>
+              <a:t> </a:t>
+            </a:r>
+            <a:r>
+              <a:rPr lang="en-GB" altLang="en-US" sz="2000"/>
+              <a:t>automatically reflect in all the child classes. This</a:t>
+            </a:r>
+            <a:r>
+              <a:rPr lang="en-US" altLang="en-GB" sz="2000"/>
+              <a:t> </a:t>
+            </a:r>
+            <a:r>
+              <a:rPr lang="en-GB" altLang="en-US" sz="2000"/>
+              <a:t>reduces the chances of errors and makes</a:t>
+            </a:r>
+            <a:r>
+              <a:rPr lang="en-US" altLang="en-GB" sz="2000"/>
+              <a:t> </a:t>
+            </a:r>
+            <a:r>
+              <a:rPr lang="en-GB" altLang="en-US" sz="2000"/>
+              <a:t>maintenance easier</a:t>
+            </a:r>
+            <a:r>
+              <a:rPr lang="en-US" altLang="en-GB" sz="2000"/>
+              <a:t>.</a:t>
+            </a:r>
+            <a:endParaRPr lang="en-US" altLang="en-GB" sz="2000"/>
           </a:p>
         </p:txBody>
       </p:sp>

--- a/encapsulation.pptx
+++ b/encapsulation.pptx
@@ -5,16 +5,18 @@
     <p:sldMasterId id="2147483648" r:id="rId1"/>
   </p:sldMasterIdLst>
   <p:notesMasterIdLst>
-    <p:notesMasterId r:id="rId10"/>
+    <p:notesMasterId r:id="rId12"/>
   </p:notesMasterIdLst>
   <p:sldIdLst>
-    <p:sldId id="270" r:id="rId3"/>
-    <p:sldId id="264" r:id="rId4"/>
-    <p:sldId id="262" r:id="rId5"/>
-    <p:sldId id="265" r:id="rId6"/>
-    <p:sldId id="271" r:id="rId7"/>
-    <p:sldId id="272" r:id="rId8"/>
-    <p:sldId id="273" r:id="rId9"/>
+    <p:sldId id="280" r:id="rId3"/>
+    <p:sldId id="270" r:id="rId4"/>
+    <p:sldId id="264" r:id="rId5"/>
+    <p:sldId id="262" r:id="rId6"/>
+    <p:sldId id="265" r:id="rId7"/>
+    <p:sldId id="271" r:id="rId8"/>
+    <p:sldId id="272" r:id="rId9"/>
+    <p:sldId id="273" r:id="rId10"/>
+    <p:sldId id="279" r:id="rId11"/>
   </p:sldIdLst>
   <p:sldSz cx="12192000" cy="6858000"/>
   <p:notesSz cx="6858000" cy="9144000"/>
@@ -3424,7 +3426,7 @@
           <a:p>
             <a:r>
               <a:rPr lang="en-US" altLang="en-GB"/>
-              <a:t>ENCAPSULATION &amp; INHERITANCE</a:t>
+              <a:t>Name:Pragnesh Dodiya</a:t>
             </a:r>
             <a:endParaRPr lang="en-US" altLang="en-GB"/>
           </a:p>
@@ -3444,82 +3446,7 @@
         <p:txBody>
           <a:bodyPr/>
           <a:p>
-            <a:pPr marL="514350" indent="-514350">
-              <a:buAutoNum type="arabicPeriod"/>
-            </a:pPr>
-            <a:r>
-              <a:rPr lang="en-US" altLang="en-GB"/>
-              <a:t>What is an encapsulation.</a:t>
-            </a:r>
-            <a:endParaRPr lang="en-US" altLang="en-GB"/>
-          </a:p>
-          <a:p>
-            <a:pPr marL="514350" indent="-514350">
-              <a:buFont typeface="+mj-lt"/>
-              <a:buAutoNum type="arabicPeriod"/>
-            </a:pPr>
-            <a:r>
-              <a:rPr lang="en-US" altLang="en-GB"/>
-              <a:t>How encapsulation works.</a:t>
-            </a:r>
-            <a:endParaRPr lang="en-US" altLang="en-GB"/>
-          </a:p>
-          <a:p>
-            <a:pPr marL="514350" indent="-514350">
-              <a:buFont typeface="+mj-lt"/>
-              <a:buAutoNum type="arabicPeriod"/>
-            </a:pPr>
-            <a:r>
-              <a:rPr lang="en-US" altLang="en-GB"/>
-              <a:t>Benefits of encapsulation</a:t>
-            </a:r>
-            <a:endParaRPr lang="en-US" altLang="en-GB"/>
-          </a:p>
-          <a:p>
-            <a:pPr marL="514350" indent="-514350">
-              <a:buFont typeface="+mj-lt"/>
-              <a:buAutoNum type="arabicPeriod"/>
-            </a:pPr>
-            <a:endParaRPr lang="en-US" altLang="en-GB"/>
-          </a:p>
-          <a:p>
-            <a:r>
-              <a:rPr lang="en-US" altLang="en-GB"/>
-              <a:t>What is inheritance.</a:t>
-            </a:r>
-            <a:endParaRPr lang="en-US" altLang="en-GB"/>
-          </a:p>
-          <a:p>
-            <a:r>
-              <a:rPr lang="en-US" altLang="en-GB"/>
-              <a:t>Types of inheritance</a:t>
-            </a:r>
-            <a:endParaRPr lang="en-US" altLang="en-GB"/>
-          </a:p>
-          <a:p>
-            <a:r>
-              <a:rPr lang="en-US" altLang="en-GB"/>
-              <a:t>Advantages of inheritance</a:t>
-            </a:r>
-            <a:endParaRPr lang="en-US" altLang="en-GB"/>
-          </a:p>
-          <a:p>
-            <a:pPr marL="514350" indent="-514350">
-              <a:buAutoNum type="arabicPeriod"/>
-            </a:pPr>
-            <a:endParaRPr lang="en-US" altLang="en-GB"/>
-          </a:p>
-          <a:p>
-            <a:endParaRPr lang="en-US" altLang="en-GB"/>
-          </a:p>
-          <a:p>
-            <a:endParaRPr lang="en-US" altLang="en-GB"/>
-          </a:p>
-          <a:p>
-            <a:pPr marL="0" indent="0">
-              <a:buNone/>
-            </a:pPr>
-            <a:endParaRPr lang="en-US" altLang="en-GB"/>
+            <a:endParaRPr lang="en-GB" altLang="en-US"/>
           </a:p>
         </p:txBody>
       </p:sp>
@@ -3532,6 +3459,139 @@
 </file>
 
 <file path=ppt/slides/slide2.xml><?xml version="1.0" encoding="utf-8"?>
+<p:sld xmlns:a="http://schemas.openxmlformats.org/drawingml/2006/main" xmlns:r="http://schemas.openxmlformats.org/officeDocument/2006/relationships" xmlns:p="http://schemas.openxmlformats.org/presentationml/2006/main">
+  <p:cSld>
+    <p:spTree>
+      <p:nvGrpSpPr>
+        <p:cNvPr id="1" name=""/>
+        <p:cNvGrpSpPr/>
+        <p:nvPr/>
+      </p:nvGrpSpPr>
+      <p:grpSpPr/>
+      <p:sp>
+        <p:nvSpPr>
+          <p:cNvPr id="2" name="Title 1"/>
+          <p:cNvSpPr>
+            <a:spLocks noGrp="1"/>
+          </p:cNvSpPr>
+          <p:nvPr>
+            <p:ph type="title"/>
+          </p:nvPr>
+        </p:nvSpPr>
+        <p:spPr/>
+        <p:txBody>
+          <a:bodyPr/>
+          <a:p>
+            <a:r>
+              <a:rPr lang="en-US" altLang="en-GB"/>
+              <a:t>ENCAPSULATION &amp; INHERITANCE</a:t>
+            </a:r>
+            <a:endParaRPr lang="en-US" altLang="en-GB"/>
+          </a:p>
+        </p:txBody>
+      </p:sp>
+      <p:sp>
+        <p:nvSpPr>
+          <p:cNvPr id="3" name="Content Placeholder 2"/>
+          <p:cNvSpPr>
+            <a:spLocks noGrp="1"/>
+          </p:cNvSpPr>
+          <p:nvPr>
+            <p:ph idx="1"/>
+          </p:nvPr>
+        </p:nvSpPr>
+        <p:spPr/>
+        <p:txBody>
+          <a:bodyPr/>
+          <a:p>
+            <a:pPr marL="514350" indent="-514350">
+              <a:buAutoNum type="arabicPeriod"/>
+            </a:pPr>
+            <a:r>
+              <a:rPr lang="en-US" altLang="en-GB"/>
+              <a:t>What is an encapsulation.</a:t>
+            </a:r>
+            <a:endParaRPr lang="en-US" altLang="en-GB"/>
+          </a:p>
+          <a:p>
+            <a:pPr marL="514350" indent="-514350">
+              <a:buFont typeface="+mj-lt"/>
+              <a:buAutoNum type="arabicPeriod"/>
+            </a:pPr>
+            <a:r>
+              <a:rPr lang="en-US" altLang="en-GB"/>
+              <a:t>How encapsulation works.</a:t>
+            </a:r>
+            <a:endParaRPr lang="en-US" altLang="en-GB"/>
+          </a:p>
+          <a:p>
+            <a:pPr marL="514350" indent="-514350">
+              <a:buFont typeface="+mj-lt"/>
+              <a:buAutoNum type="arabicPeriod"/>
+            </a:pPr>
+            <a:r>
+              <a:rPr lang="en-US" altLang="en-GB"/>
+              <a:t>Benefits of encapsulation</a:t>
+            </a:r>
+            <a:endParaRPr lang="en-US" altLang="en-GB"/>
+          </a:p>
+          <a:p>
+            <a:pPr marL="514350" indent="-514350">
+              <a:buFont typeface="+mj-lt"/>
+              <a:buAutoNum type="arabicPeriod"/>
+            </a:pPr>
+            <a:endParaRPr lang="en-US" altLang="en-GB"/>
+          </a:p>
+          <a:p>
+            <a:r>
+              <a:rPr lang="en-US" altLang="en-GB"/>
+              <a:t>What is inheritance.</a:t>
+            </a:r>
+            <a:endParaRPr lang="en-US" altLang="en-GB"/>
+          </a:p>
+          <a:p>
+            <a:r>
+              <a:rPr lang="en-US" altLang="en-GB"/>
+              <a:t>Types of inheritance</a:t>
+            </a:r>
+            <a:endParaRPr lang="en-US" altLang="en-GB"/>
+          </a:p>
+          <a:p>
+            <a:r>
+              <a:rPr lang="en-US" altLang="en-GB"/>
+              <a:t>Advantages of inheritance</a:t>
+            </a:r>
+            <a:endParaRPr lang="en-US" altLang="en-GB"/>
+          </a:p>
+          <a:p>
+            <a:pPr marL="514350" indent="-514350">
+              <a:buAutoNum type="arabicPeriod"/>
+            </a:pPr>
+            <a:endParaRPr lang="en-US" altLang="en-GB"/>
+          </a:p>
+          <a:p>
+            <a:endParaRPr lang="en-US" altLang="en-GB"/>
+          </a:p>
+          <a:p>
+            <a:endParaRPr lang="en-US" altLang="en-GB"/>
+          </a:p>
+          <a:p>
+            <a:pPr marL="0" indent="0">
+              <a:buNone/>
+            </a:pPr>
+            <a:endParaRPr lang="en-US" altLang="en-GB"/>
+          </a:p>
+        </p:txBody>
+      </p:sp>
+    </p:spTree>
+  </p:cSld>
+  <p:clrMapOvr>
+    <a:masterClrMapping/>
+  </p:clrMapOvr>
+</p:sld>
+</file>
+
+<file path=ppt/slides/slide3.xml><?xml version="1.0" encoding="utf-8"?>
 <p:sld xmlns:a="http://schemas.openxmlformats.org/drawingml/2006/main" xmlns:r="http://schemas.openxmlformats.org/officeDocument/2006/relationships" xmlns:p="http://schemas.openxmlformats.org/presentationml/2006/main">
   <p:cSld>
     <p:spTree>
@@ -3851,7 +3911,7 @@
 </p:sld>
 </file>
 
-<file path=ppt/slides/slide3.xml><?xml version="1.0" encoding="utf-8"?>
+<file path=ppt/slides/slide4.xml><?xml version="1.0" encoding="utf-8"?>
 <p:sld xmlns:a="http://schemas.openxmlformats.org/drawingml/2006/main" xmlns:r="http://schemas.openxmlformats.org/officeDocument/2006/relationships" xmlns:p="http://schemas.openxmlformats.org/presentationml/2006/main">
   <p:cSld>
     <p:spTree>
@@ -4185,7 +4245,7 @@
 </p:sld>
 </file>
 
-<file path=ppt/slides/slide4.xml><?xml version="1.0" encoding="utf-8"?>
+<file path=ppt/slides/slide5.xml><?xml version="1.0" encoding="utf-8"?>
 <p:sld xmlns:a="http://schemas.openxmlformats.org/drawingml/2006/main" xmlns:r="http://schemas.openxmlformats.org/officeDocument/2006/relationships" xmlns:p="http://schemas.openxmlformats.org/presentationml/2006/main">
   <p:cSld>
     <p:spTree>
@@ -4479,123 +4539,6 @@
 </p:sld>
 </file>
 
-<file path=ppt/slides/slide5.xml><?xml version="1.0" encoding="utf-8"?>
-<p:sld xmlns:a="http://schemas.openxmlformats.org/drawingml/2006/main" xmlns:r="http://schemas.openxmlformats.org/officeDocument/2006/relationships" xmlns:p="http://schemas.openxmlformats.org/presentationml/2006/main">
-  <p:cSld>
-    <p:spTree>
-      <p:nvGrpSpPr>
-        <p:cNvPr id="1" name=""/>
-        <p:cNvGrpSpPr/>
-        <p:nvPr/>
-      </p:nvGrpSpPr>
-      <p:grpSpPr/>
-      <p:sp>
-        <p:nvSpPr>
-          <p:cNvPr id="2" name="Title 1"/>
-          <p:cNvSpPr>
-            <a:spLocks noGrp="1"/>
-          </p:cNvSpPr>
-          <p:nvPr>
-            <p:ph type="title"/>
-          </p:nvPr>
-        </p:nvSpPr>
-        <p:spPr/>
-        <p:txBody>
-          <a:bodyPr/>
-          <a:p>
-            <a:r>
-              <a:rPr lang="en-US" altLang="en-GB"/>
-              <a:t>Inheritance</a:t>
-            </a:r>
-            <a:endParaRPr lang="en-US" altLang="en-GB"/>
-          </a:p>
-        </p:txBody>
-      </p:sp>
-      <p:sp>
-        <p:nvSpPr>
-          <p:cNvPr id="3" name="Content Placeholder 2"/>
-          <p:cNvSpPr>
-            <a:spLocks noGrp="1"/>
-          </p:cNvSpPr>
-          <p:nvPr>
-            <p:ph idx="1"/>
-          </p:nvPr>
-        </p:nvSpPr>
-        <p:spPr/>
-        <p:txBody>
-          <a:bodyPr/>
-          <a:p>
-            <a:r>
-              <a:rPr lang="en-GB" altLang="en-US"/>
-              <a:t>Inheritance is a feature or a process in which, new classes are</a:t>
-            </a:r>
-            <a:r>
-              <a:rPr lang="en-US" altLang="en-GB"/>
-              <a:t> </a:t>
-            </a:r>
-            <a:r>
-              <a:rPr lang="en-GB" altLang="en-US"/>
-              <a:t>created from the existing classes.</a:t>
-            </a:r>
-            <a:endParaRPr lang="en-GB" altLang="en-US"/>
-          </a:p>
-          <a:p>
-            <a:r>
-              <a:rPr lang="en-GB" altLang="en-US"/>
-              <a:t>The new class created is called“derived class” or“child class”.The existing class is known as the“base class”or“parent class”.</a:t>
-            </a:r>
-            <a:endParaRPr lang="en-GB" altLang="en-US"/>
-          </a:p>
-          <a:p>
-            <a:r>
-              <a:rPr lang="en-GB" altLang="en-US"/>
-              <a:t>The child class now is said to be inherited from the parent class.</a:t>
-            </a:r>
-            <a:endParaRPr lang="en-GB" altLang="en-US"/>
-          </a:p>
-          <a:p>
-            <a:r>
-              <a:rPr lang="en-GB" altLang="en-US"/>
-              <a:t>The extends keyword is used for inheritance in Java. </a:t>
-            </a:r>
-            <a:endParaRPr lang="en-GB" altLang="en-US"/>
-          </a:p>
-          <a:p>
-            <a:r>
-              <a:rPr lang="en-GB" altLang="en-US"/>
-              <a:t>Using</a:t>
-            </a:r>
-            <a:r>
-              <a:rPr lang="en-US" altLang="en-GB"/>
-              <a:t> </a:t>
-            </a:r>
-            <a:r>
-              <a:rPr lang="en-GB" altLang="en-US"/>
-              <a:t>the extends keyword indicates you are derived from an existing</a:t>
-            </a:r>
-            <a:r>
-              <a:rPr lang="en-US" altLang="en-GB"/>
-              <a:t> </a:t>
-            </a:r>
-            <a:r>
-              <a:rPr lang="en-GB" altLang="en-US"/>
-              <a:t>class.</a:t>
-            </a:r>
-            <a:endParaRPr lang="en-GB" altLang="en-US"/>
-          </a:p>
-          <a:p>
-            <a:endParaRPr lang="en-GB" altLang="en-US"/>
-          </a:p>
-        </p:txBody>
-      </p:sp>
-    </p:spTree>
-  </p:cSld>
-  <p:clrMapOvr>
-    <a:masterClrMapping/>
-  </p:clrMapOvr>
-</p:sld>
-</file>
-
 <file path=ppt/slides/slide6.xml><?xml version="1.0" encoding="utf-8"?>
 <p:sld xmlns:a="http://schemas.openxmlformats.org/drawingml/2006/main" xmlns:r="http://schemas.openxmlformats.org/officeDocument/2006/relationships" xmlns:p="http://schemas.openxmlformats.org/presentationml/2006/main">
   <p:cSld>
@@ -4622,7 +4565,7 @@
           <a:p>
             <a:r>
               <a:rPr lang="en-US" altLang="en-GB"/>
-              <a:t>Types of Inheritance</a:t>
+              <a:t>Inheritance</a:t>
             </a:r>
             <a:endParaRPr lang="en-US" altLang="en-GB"/>
           </a:p>
@@ -4644,36 +4587,63 @@
           <a:p>
             <a:r>
               <a:rPr lang="en-GB" altLang="en-US"/>
-              <a:t>Single inheritance</a:t>
+              <a:t>Inheritance is a feature or a process in which, new classes are</a:t>
+            </a:r>
+            <a:r>
+              <a:rPr lang="en-US" altLang="en-GB"/>
+              <a:t> </a:t>
+            </a:r>
+            <a:r>
+              <a:rPr lang="en-GB" altLang="en-US"/>
+              <a:t>created from the existing classes.</a:t>
             </a:r>
             <a:endParaRPr lang="en-GB" altLang="en-US"/>
           </a:p>
           <a:p>
             <a:r>
               <a:rPr lang="en-GB" altLang="en-US"/>
-              <a:t>Multilevel inheritance</a:t>
+              <a:t>The new class created is called“derived class” or“child class”.The existing class is known as the“base class”or“parent class”.</a:t>
             </a:r>
             <a:endParaRPr lang="en-GB" altLang="en-US"/>
           </a:p>
           <a:p>
             <a:r>
               <a:rPr lang="en-GB" altLang="en-US"/>
-              <a:t>Multiple inheritance</a:t>
+              <a:t>The child class now is said to be inherited from the parent class.</a:t>
             </a:r>
             <a:endParaRPr lang="en-GB" altLang="en-US"/>
           </a:p>
           <a:p>
             <a:r>
               <a:rPr lang="en-GB" altLang="en-US"/>
-              <a:t>Hierarchical inheritance</a:t>
+              <a:t>The extends keyword is used for inheritance in Java. </a:t>
             </a:r>
             <a:endParaRPr lang="en-GB" altLang="en-US"/>
           </a:p>
           <a:p>
             <a:r>
               <a:rPr lang="en-GB" altLang="en-US"/>
-              <a:t>Hybrid inheritance</a:t>
-            </a:r>
+              <a:t>Using</a:t>
+            </a:r>
+            <a:r>
+              <a:rPr lang="en-US" altLang="en-GB"/>
+              <a:t> </a:t>
+            </a:r>
+            <a:r>
+              <a:rPr lang="en-GB" altLang="en-US"/>
+              <a:t>the extends keyword indicates you are derived from an existing</a:t>
+            </a:r>
+            <a:r>
+              <a:rPr lang="en-US" altLang="en-GB"/>
+              <a:t> </a:t>
+            </a:r>
+            <a:r>
+              <a:rPr lang="en-GB" altLang="en-US"/>
+              <a:t>class.</a:t>
+            </a:r>
+            <a:endParaRPr lang="en-GB" altLang="en-US"/>
+          </a:p>
+          <a:p>
             <a:endParaRPr lang="en-GB" altLang="en-US"/>
           </a:p>
         </p:txBody>
@@ -4712,6 +4682,96 @@
           <a:p>
             <a:r>
               <a:rPr lang="en-US" altLang="en-GB"/>
+              <a:t>Types of Inheritance</a:t>
+            </a:r>
+            <a:endParaRPr lang="en-US" altLang="en-GB"/>
+          </a:p>
+        </p:txBody>
+      </p:sp>
+      <p:sp>
+        <p:nvSpPr>
+          <p:cNvPr id="3" name="Content Placeholder 2"/>
+          <p:cNvSpPr>
+            <a:spLocks noGrp="1"/>
+          </p:cNvSpPr>
+          <p:nvPr>
+            <p:ph idx="1"/>
+          </p:nvPr>
+        </p:nvSpPr>
+        <p:spPr/>
+        <p:txBody>
+          <a:bodyPr/>
+          <a:p>
+            <a:r>
+              <a:rPr lang="en-GB" altLang="en-US"/>
+              <a:t>Single inheritance</a:t>
+            </a:r>
+            <a:endParaRPr lang="en-GB" altLang="en-US"/>
+          </a:p>
+          <a:p>
+            <a:r>
+              <a:rPr lang="en-GB" altLang="en-US"/>
+              <a:t>Multilevel inheritance</a:t>
+            </a:r>
+            <a:endParaRPr lang="en-GB" altLang="en-US"/>
+          </a:p>
+          <a:p>
+            <a:r>
+              <a:rPr lang="en-GB" altLang="en-US"/>
+              <a:t>Multiple inheritance</a:t>
+            </a:r>
+            <a:endParaRPr lang="en-GB" altLang="en-US"/>
+          </a:p>
+          <a:p>
+            <a:r>
+              <a:rPr lang="en-GB" altLang="en-US"/>
+              <a:t>Hierarchical inheritance</a:t>
+            </a:r>
+            <a:endParaRPr lang="en-GB" altLang="en-US"/>
+          </a:p>
+          <a:p>
+            <a:r>
+              <a:rPr lang="en-GB" altLang="en-US"/>
+              <a:t>Hybrid inheritance</a:t>
+            </a:r>
+            <a:endParaRPr lang="en-GB" altLang="en-US"/>
+          </a:p>
+        </p:txBody>
+      </p:sp>
+    </p:spTree>
+  </p:cSld>
+  <p:clrMapOvr>
+    <a:masterClrMapping/>
+  </p:clrMapOvr>
+</p:sld>
+</file>
+
+<file path=ppt/slides/slide8.xml><?xml version="1.0" encoding="utf-8"?>
+<p:sld xmlns:a="http://schemas.openxmlformats.org/drawingml/2006/main" xmlns:r="http://schemas.openxmlformats.org/officeDocument/2006/relationships" xmlns:p="http://schemas.openxmlformats.org/presentationml/2006/main">
+  <p:cSld>
+    <p:spTree>
+      <p:nvGrpSpPr>
+        <p:cNvPr id="1" name=""/>
+        <p:cNvGrpSpPr/>
+        <p:nvPr/>
+      </p:nvGrpSpPr>
+      <p:grpSpPr/>
+      <p:sp>
+        <p:nvSpPr>
+          <p:cNvPr id="2" name="Title 1"/>
+          <p:cNvSpPr>
+            <a:spLocks noGrp="1"/>
+          </p:cNvSpPr>
+          <p:nvPr>
+            <p:ph type="title"/>
+          </p:nvPr>
+        </p:nvSpPr>
+        <p:spPr/>
+        <p:txBody>
+          <a:bodyPr/>
+          <a:p>
+            <a:r>
+              <a:rPr lang="en-US" altLang="en-GB"/>
               <a:t>Advantages of Inheritance</a:t>
             </a:r>
             <a:endParaRPr lang="en-US" altLang="en-GB"/>
@@ -4904,6 +4964,65 @@
               <a:t>.</a:t>
             </a:r>
             <a:endParaRPr lang="en-US" altLang="en-GB" sz="2000"/>
+          </a:p>
+        </p:txBody>
+      </p:sp>
+    </p:spTree>
+  </p:cSld>
+  <p:clrMapOvr>
+    <a:masterClrMapping/>
+  </p:clrMapOvr>
+</p:sld>
+</file>
+
+<file path=ppt/slides/slide9.xml><?xml version="1.0" encoding="utf-8"?>
+<p:sld xmlns:a="http://schemas.openxmlformats.org/drawingml/2006/main" xmlns:r="http://schemas.openxmlformats.org/officeDocument/2006/relationships" xmlns:p="http://schemas.openxmlformats.org/presentationml/2006/main">
+  <p:cSld>
+    <p:spTree>
+      <p:nvGrpSpPr>
+        <p:cNvPr id="1" name=""/>
+        <p:cNvGrpSpPr/>
+        <p:nvPr/>
+      </p:nvGrpSpPr>
+      <p:grpSpPr/>
+      <p:sp>
+        <p:nvSpPr>
+          <p:cNvPr id="2" name="Title 1"/>
+          <p:cNvSpPr>
+            <a:spLocks noGrp="1"/>
+          </p:cNvSpPr>
+          <p:nvPr>
+            <p:ph type="title"/>
+          </p:nvPr>
+        </p:nvSpPr>
+        <p:spPr/>
+        <p:txBody>
+          <a:bodyPr/>
+          <a:p>
+            <a:pPr algn="ctr"/>
+            <a:r>
+              <a:rPr lang="en-US" altLang="en-GB"/>
+              <a:t>Thank you</a:t>
+            </a:r>
+            <a:endParaRPr lang="en-US" altLang="en-GB"/>
+          </a:p>
+        </p:txBody>
+      </p:sp>
+      <p:sp>
+        <p:nvSpPr>
+          <p:cNvPr id="3" name="Content Placeholder 2"/>
+          <p:cNvSpPr>
+            <a:spLocks noGrp="1"/>
+          </p:cNvSpPr>
+          <p:nvPr>
+            <p:ph idx="1"/>
+          </p:nvPr>
+        </p:nvSpPr>
+        <p:spPr/>
+        <p:txBody>
+          <a:bodyPr/>
+          <a:p>
+            <a:endParaRPr lang="en-GB" altLang="en-US"/>
           </a:p>
         </p:txBody>
       </p:sp>
